--- a/ppt/apx515_pre _install.pptx
+++ b/ppt/apx515_pre _install.pptx
@@ -11,6 +11,10 @@
     <p:sldId id="259" r:id="rId5"/>
     <p:sldId id="260" r:id="rId6"/>
     <p:sldId id="261" r:id="rId7"/>
+    <p:sldId id="262" r:id="rId8"/>
+    <p:sldId id="264" r:id="rId9"/>
+    <p:sldId id="263" r:id="rId10"/>
+    <p:sldId id="265" r:id="rId11"/>
   </p:sldIdLst>
   <p:sldSz cx="12192000" cy="6858000"/>
   <p:notesSz cx="6858000" cy="9144000"/>
@@ -109,6 +113,11 @@
       </a:defRPr>
     </a:lvl9pPr>
   </p:defaultTextStyle>
+  <p:extLst>
+    <p:ext uri="{EFAFB233-063F-42B5-8137-9DF3F51BA10A}">
+      <p15:sldGuideLst xmlns:p15="http://schemas.microsoft.com/office/powerpoint/2012/main"/>
+    </p:ext>
+  </p:extLst>
 </p:presentation>
 </file>
 
@@ -259,7 +268,7 @@
           <a:p>
             <a:fld id="{D0F81D96-3C4C-47DC-ADB7-472DDEAED42C}" type="datetimeFigureOut">
               <a:rPr lang="zh-TW" altLang="en-US" smtClean="0"/>
-              <a:t>2019/12/17</a:t>
+              <a:t>2020/1/6</a:t>
             </a:fld>
             <a:endParaRPr lang="zh-TW" altLang="en-US"/>
           </a:p>
@@ -457,7 +466,7 @@
           <a:p>
             <a:fld id="{D0F81D96-3C4C-47DC-ADB7-472DDEAED42C}" type="datetimeFigureOut">
               <a:rPr lang="zh-TW" altLang="en-US" smtClean="0"/>
-              <a:t>2019/12/17</a:t>
+              <a:t>2020/1/6</a:t>
             </a:fld>
             <a:endParaRPr lang="zh-TW" altLang="en-US"/>
           </a:p>
@@ -665,7 +674,7 @@
           <a:p>
             <a:fld id="{D0F81D96-3C4C-47DC-ADB7-472DDEAED42C}" type="datetimeFigureOut">
               <a:rPr lang="zh-TW" altLang="en-US" smtClean="0"/>
-              <a:t>2019/12/17</a:t>
+              <a:t>2020/1/6</a:t>
             </a:fld>
             <a:endParaRPr lang="zh-TW" altLang="en-US"/>
           </a:p>
@@ -863,7 +872,7 @@
           <a:p>
             <a:fld id="{D0F81D96-3C4C-47DC-ADB7-472DDEAED42C}" type="datetimeFigureOut">
               <a:rPr lang="zh-TW" altLang="en-US" smtClean="0"/>
-              <a:t>2019/12/17</a:t>
+              <a:t>2020/1/6</a:t>
             </a:fld>
             <a:endParaRPr lang="zh-TW" altLang="en-US"/>
           </a:p>
@@ -1138,7 +1147,7 @@
           <a:p>
             <a:fld id="{D0F81D96-3C4C-47DC-ADB7-472DDEAED42C}" type="datetimeFigureOut">
               <a:rPr lang="zh-TW" altLang="en-US" smtClean="0"/>
-              <a:t>2019/12/17</a:t>
+              <a:t>2020/1/6</a:t>
             </a:fld>
             <a:endParaRPr lang="zh-TW" altLang="en-US"/>
           </a:p>
@@ -1403,7 +1412,7 @@
           <a:p>
             <a:fld id="{D0F81D96-3C4C-47DC-ADB7-472DDEAED42C}" type="datetimeFigureOut">
               <a:rPr lang="zh-TW" altLang="en-US" smtClean="0"/>
-              <a:t>2019/12/17</a:t>
+              <a:t>2020/1/6</a:t>
             </a:fld>
             <a:endParaRPr lang="zh-TW" altLang="en-US"/>
           </a:p>
@@ -1815,7 +1824,7 @@
           <a:p>
             <a:fld id="{D0F81D96-3C4C-47DC-ADB7-472DDEAED42C}" type="datetimeFigureOut">
               <a:rPr lang="zh-TW" altLang="en-US" smtClean="0"/>
-              <a:t>2019/12/17</a:t>
+              <a:t>2020/1/6</a:t>
             </a:fld>
             <a:endParaRPr lang="zh-TW" altLang="en-US"/>
           </a:p>
@@ -1956,7 +1965,7 @@
           <a:p>
             <a:fld id="{D0F81D96-3C4C-47DC-ADB7-472DDEAED42C}" type="datetimeFigureOut">
               <a:rPr lang="zh-TW" altLang="en-US" smtClean="0"/>
-              <a:t>2019/12/17</a:t>
+              <a:t>2020/1/6</a:t>
             </a:fld>
             <a:endParaRPr lang="zh-TW" altLang="en-US"/>
           </a:p>
@@ -2069,7 +2078,7 @@
           <a:p>
             <a:fld id="{D0F81D96-3C4C-47DC-ADB7-472DDEAED42C}" type="datetimeFigureOut">
               <a:rPr lang="zh-TW" altLang="en-US" smtClean="0"/>
-              <a:t>2019/12/17</a:t>
+              <a:t>2020/1/6</a:t>
             </a:fld>
             <a:endParaRPr lang="zh-TW" altLang="en-US"/>
           </a:p>
@@ -2380,7 +2389,7 @@
           <a:p>
             <a:fld id="{D0F81D96-3C4C-47DC-ADB7-472DDEAED42C}" type="datetimeFigureOut">
               <a:rPr lang="zh-TW" altLang="en-US" smtClean="0"/>
-              <a:t>2019/12/17</a:t>
+              <a:t>2020/1/6</a:t>
             </a:fld>
             <a:endParaRPr lang="zh-TW" altLang="en-US"/>
           </a:p>
@@ -2668,7 +2677,7 @@
           <a:p>
             <a:fld id="{D0F81D96-3C4C-47DC-ADB7-472DDEAED42C}" type="datetimeFigureOut">
               <a:rPr lang="zh-TW" altLang="en-US" smtClean="0"/>
-              <a:t>2019/12/17</a:t>
+              <a:t>2020/1/6</a:t>
             </a:fld>
             <a:endParaRPr lang="zh-TW" altLang="en-US"/>
           </a:p>
@@ -2909,7 +2918,7 @@
           <a:p>
             <a:fld id="{D0F81D96-3C4C-47DC-ADB7-472DDEAED42C}" type="datetimeFigureOut">
               <a:rPr lang="zh-TW" altLang="en-US" smtClean="0"/>
-              <a:t>2019/12/17</a:t>
+              <a:t>2020/1/6</a:t>
             </a:fld>
             <a:endParaRPr lang="zh-TW" altLang="en-US"/>
           </a:p>
@@ -3396,6 +3405,680 @@
 </p:sld>
 </file>
 
+<file path=ppt/slides/slide10.xml><?xml version="1.0" encoding="utf-8"?>
+<p:sld xmlns:a="http://schemas.openxmlformats.org/drawingml/2006/main" xmlns:r="http://schemas.openxmlformats.org/officeDocument/2006/relationships" xmlns:p="http://schemas.openxmlformats.org/presentationml/2006/main">
+  <p:cSld>
+    <p:bg>
+      <p:bgPr>
+        <a:solidFill>
+          <a:schemeClr val="bg1"/>
+        </a:solidFill>
+        <a:effectLst/>
+      </p:bgPr>
+    </p:bg>
+    <p:spTree>
+      <p:nvGrpSpPr>
+        <p:cNvPr id="1" name=""/>
+        <p:cNvGrpSpPr/>
+        <p:nvPr/>
+      </p:nvGrpSpPr>
+      <p:grpSpPr>
+        <a:xfrm>
+          <a:off x="0" y="0"/>
+          <a:ext cx="0" cy="0"/>
+          <a:chOff x="0" y="0"/>
+          <a:chExt cx="0" cy="0"/>
+        </a:xfrm>
+      </p:grpSpPr>
+      <p:sp useBgFill="1">
+        <p:nvSpPr>
+          <p:cNvPr id="73" name="Rectangle 72">
+            <a:extLst>
+              <a:ext uri="{FF2B5EF4-FFF2-40B4-BE49-F238E27FC236}">
+                <a16:creationId xmlns:a16="http://schemas.microsoft.com/office/drawing/2014/main" id="{79477870-C64A-4E35-8F2F-05B7114F3C74}"/>
+              </a:ext>
+              <a:ext uri="{C183D7F6-B498-43B3-948B-1728B52AA6E4}">
+                <adec:decorative xmlns:adec="http://schemas.microsoft.com/office/drawing/2017/decorative" val="1"/>
+              </a:ext>
+            </a:extLst>
+          </p:cNvPr>
+          <p:cNvSpPr>
+            <a:spLocks noGrp="1" noRot="1" noChangeAspect="1" noMove="1" noResize="1" noEditPoints="1" noAdjustHandles="1" noChangeArrowheads="1" noChangeShapeType="1" noTextEdit="1"/>
+          </p:cNvSpPr>
+          <p:nvPr>
+            <p:extLst>
+              <p:ext uri="{386F3935-93C4-4BCD-93E2-E3B085C9AB24}">
+                <p16:designElem xmlns:p16="http://schemas.microsoft.com/office/powerpoint/2015/main" val="1"/>
+              </p:ext>
+            </p:extLst>
+          </p:nvPr>
+        </p:nvSpPr>
+        <p:spPr>
+          <a:xfrm>
+            <a:off x="0" y="0"/>
+            <a:ext cx="12192000" cy="6858000"/>
+          </a:xfrm>
+          <a:prstGeom prst="rect">
+            <a:avLst/>
+          </a:prstGeom>
+          <a:ln>
+            <a:noFill/>
+          </a:ln>
+        </p:spPr>
+        <p:style>
+          <a:lnRef idx="2">
+            <a:schemeClr val="accent1">
+              <a:shade val="50000"/>
+            </a:schemeClr>
+          </a:lnRef>
+          <a:fillRef idx="1">
+            <a:schemeClr val="accent1"/>
+          </a:fillRef>
+          <a:effectRef idx="0">
+            <a:schemeClr val="accent1"/>
+          </a:effectRef>
+          <a:fontRef idx="minor">
+            <a:schemeClr val="lt1"/>
+          </a:fontRef>
+        </p:style>
+        <p:txBody>
+          <a:bodyPr rtlCol="0" anchor="ctr"/>
+          <a:lstStyle/>
+          <a:p>
+            <a:pPr algn="ctr"/>
+            <a:endParaRPr lang="en-US"/>
+          </a:p>
+        </p:txBody>
+      </p:sp>
+      <p:sp>
+        <p:nvSpPr>
+          <p:cNvPr id="2" name="標題 1">
+            <a:extLst>
+              <a:ext uri="{FF2B5EF4-FFF2-40B4-BE49-F238E27FC236}">
+                <a16:creationId xmlns:a16="http://schemas.microsoft.com/office/drawing/2014/main" id="{FD453DC4-9D8F-424A-AEBA-29AB428E42E2}"/>
+              </a:ext>
+            </a:extLst>
+          </p:cNvPr>
+          <p:cNvSpPr>
+            <a:spLocks noGrp="1"/>
+          </p:cNvSpPr>
+          <p:nvPr>
+            <p:ph type="title"/>
+          </p:nvPr>
+        </p:nvSpPr>
+        <p:spPr>
+          <a:xfrm>
+            <a:off x="612648" y="1078992"/>
+            <a:ext cx="6268770" cy="1536192"/>
+          </a:xfrm>
+        </p:spPr>
+        <p:txBody>
+          <a:bodyPr anchor="b">
+            <a:normAutofit/>
+          </a:bodyPr>
+          <a:lstStyle/>
+          <a:p>
+            <a:r>
+              <a:rPr lang="zh-TW" altLang="en-US" sz="5200"/>
+              <a:t>其餘設定 </a:t>
+            </a:r>
+            <a:r>
+              <a:rPr lang="en-US" altLang="zh-TW" sz="5200"/>
+              <a:t>:</a:t>
+            </a:r>
+            <a:endParaRPr lang="zh-TW" altLang="en-US" sz="5200"/>
+          </a:p>
+        </p:txBody>
+      </p:sp>
+      <p:sp>
+        <p:nvSpPr>
+          <p:cNvPr id="75" name="Rectangle 74">
+            <a:extLst>
+              <a:ext uri="{FF2B5EF4-FFF2-40B4-BE49-F238E27FC236}">
+                <a16:creationId xmlns:a16="http://schemas.microsoft.com/office/drawing/2014/main" id="{8AEA628B-C8FF-4D0B-B111-F101F580B15D}"/>
+              </a:ext>
+              <a:ext uri="{C183D7F6-B498-43B3-948B-1728B52AA6E4}">
+                <adec:decorative xmlns:adec="http://schemas.microsoft.com/office/drawing/2017/decorative" val="1"/>
+              </a:ext>
+            </a:extLst>
+          </p:cNvPr>
+          <p:cNvSpPr>
+            <a:spLocks noGrp="1" noRot="1" noChangeAspect="1" noMove="1" noResize="1" noEditPoints="1" noAdjustHandles="1" noChangeArrowheads="1" noChangeShapeType="1" noTextEdit="1"/>
+          </p:cNvSpPr>
+          <p:nvPr>
+            <p:extLst>
+              <p:ext uri="{386F3935-93C4-4BCD-93E2-E3B085C9AB24}">
+                <p16:designElem xmlns:p16="http://schemas.microsoft.com/office/powerpoint/2015/main" val="1"/>
+              </p:ext>
+            </p:extLst>
+          </p:nvPr>
+        </p:nvSpPr>
+        <p:spPr>
+          <a:xfrm rot="5400000">
+            <a:off x="853202" y="363389"/>
+            <a:ext cx="73152" cy="548640"/>
+          </a:xfrm>
+          <a:prstGeom prst="rect">
+            <a:avLst/>
+          </a:prstGeom>
+          <a:solidFill>
+            <a:schemeClr val="accent2"/>
+          </a:solidFill>
+          <a:ln>
+            <a:noFill/>
+          </a:ln>
+        </p:spPr>
+        <p:style>
+          <a:lnRef idx="2">
+            <a:schemeClr val="accent1">
+              <a:shade val="50000"/>
+            </a:schemeClr>
+          </a:lnRef>
+          <a:fillRef idx="1">
+            <a:schemeClr val="accent1"/>
+          </a:fillRef>
+          <a:effectRef idx="0">
+            <a:schemeClr val="accent1"/>
+          </a:effectRef>
+          <a:fontRef idx="minor">
+            <a:schemeClr val="lt1"/>
+          </a:fontRef>
+        </p:style>
+        <p:txBody>
+          <a:bodyPr rtlCol="0" anchor="ctr"/>
+          <a:lstStyle/>
+          <a:p>
+            <a:pPr marL="0" marR="0" lvl="0" indent="0" algn="ctr" defTabSz="914400" rtl="0" eaLnBrk="1" fontAlgn="auto" latinLnBrk="0" hangingPunct="1">
+              <a:lnSpc>
+                <a:spcPct val="100000"/>
+              </a:lnSpc>
+              <a:spcBef>
+                <a:spcPts val="0"/>
+              </a:spcBef>
+              <a:spcAft>
+                <a:spcPts val="0"/>
+              </a:spcAft>
+              <a:buClrTx/>
+              <a:buSzTx/>
+              <a:buFontTx/>
+              <a:buNone/>
+              <a:tabLst/>
+              <a:defRPr/>
+            </a:pPr>
+            <a:endParaRPr kumimoji="0" lang="en-US" sz="1800" b="0" i="0" u="none" strike="noStrike" kern="1200" cap="none" spc="0" normalizeH="0" baseline="0" noProof="0">
+              <a:ln>
+                <a:noFill/>
+              </a:ln>
+              <a:solidFill>
+                <a:prstClr val="white"/>
+              </a:solidFill>
+              <a:effectLst/>
+              <a:uLnTx/>
+              <a:uFillTx/>
+              <a:latin typeface="Calibri" panose="020F0502020204030204"/>
+              <a:ea typeface="+mn-ea"/>
+              <a:cs typeface="+mn-cs"/>
+            </a:endParaRPr>
+          </a:p>
+        </p:txBody>
+      </p:sp>
+      <p:sp>
+        <p:nvSpPr>
+          <p:cNvPr id="77" name="Rectangle 76">
+            <a:extLst>
+              <a:ext uri="{FF2B5EF4-FFF2-40B4-BE49-F238E27FC236}">
+                <a16:creationId xmlns:a16="http://schemas.microsoft.com/office/drawing/2014/main" id="{42663BD0-064C-40FC-A331-F49FCA9536AA}"/>
+              </a:ext>
+              <a:ext uri="{C183D7F6-B498-43B3-948B-1728B52AA6E4}">
+                <adec:decorative xmlns:adec="http://schemas.microsoft.com/office/drawing/2017/decorative" val="1"/>
+              </a:ext>
+            </a:extLst>
+          </p:cNvPr>
+          <p:cNvSpPr>
+            <a:spLocks noGrp="1" noRot="1" noChangeAspect="1" noMove="1" noResize="1" noEditPoints="1" noAdjustHandles="1" noChangeArrowheads="1" noChangeShapeType="1" noTextEdit="1"/>
+          </p:cNvSpPr>
+          <p:nvPr>
+            <p:extLst>
+              <p:ext uri="{386F3935-93C4-4BCD-93E2-E3B085C9AB24}">
+                <p16:designElem xmlns:p16="http://schemas.microsoft.com/office/powerpoint/2015/main" val="1"/>
+              </p:ext>
+            </p:extLst>
+          </p:nvPr>
+        </p:nvSpPr>
+        <p:spPr>
+          <a:xfrm>
+            <a:off x="618506" y="2935541"/>
+            <a:ext cx="6217920" cy="18288"/>
+          </a:xfrm>
+          <a:prstGeom prst="rect">
+            <a:avLst/>
+          </a:prstGeom>
+          <a:solidFill>
+            <a:srgbClr val="D5D5D5"/>
+          </a:solidFill>
+          <a:ln w="3175">
+            <a:noFill/>
+          </a:ln>
+          <a:effectLst/>
+        </p:spPr>
+        <p:style>
+          <a:lnRef idx="2">
+            <a:schemeClr val="accent1">
+              <a:shade val="50000"/>
+            </a:schemeClr>
+          </a:lnRef>
+          <a:fillRef idx="1">
+            <a:schemeClr val="accent1"/>
+          </a:fillRef>
+          <a:effectRef idx="0">
+            <a:schemeClr val="accent1"/>
+          </a:effectRef>
+          <a:fontRef idx="minor">
+            <a:schemeClr val="lt1"/>
+          </a:fontRef>
+        </p:style>
+        <p:txBody>
+          <a:bodyPr rtlCol="0" anchor="ctr"/>
+          <a:lstStyle/>
+          <a:p>
+            <a:pPr algn="ctr"/>
+            <a:endParaRPr lang="en-US">
+              <a:solidFill>
+                <a:prstClr val="white"/>
+              </a:solidFill>
+              <a:latin typeface="Calibri" panose="020F0502020204030204"/>
+            </a:endParaRPr>
+          </a:p>
+        </p:txBody>
+      </p:sp>
+      <p:sp>
+        <p:nvSpPr>
+          <p:cNvPr id="3" name="內容版面配置區 2">
+            <a:extLst>
+              <a:ext uri="{FF2B5EF4-FFF2-40B4-BE49-F238E27FC236}">
+                <a16:creationId xmlns:a16="http://schemas.microsoft.com/office/drawing/2014/main" id="{364AA6CE-A0A4-4DC3-8B0C-1A02FAA9A6D7}"/>
+              </a:ext>
+            </a:extLst>
+          </p:cNvPr>
+          <p:cNvSpPr>
+            <a:spLocks noGrp="1"/>
+          </p:cNvSpPr>
+          <p:nvPr>
+            <p:ph idx="1"/>
+          </p:nvPr>
+        </p:nvSpPr>
+        <p:spPr>
+          <a:xfrm>
+            <a:off x="615458" y="3355848"/>
+            <a:ext cx="6268770" cy="2825496"/>
+          </a:xfrm>
+        </p:spPr>
+        <p:txBody>
+          <a:bodyPr>
+            <a:normAutofit fontScale="77500" lnSpcReduction="20000"/>
+          </a:bodyPr>
+          <a:lstStyle/>
+          <a:p>
+            <a:pPr marL="0" indent="0">
+              <a:buNone/>
+            </a:pPr>
+            <a:endParaRPr lang="en-US" altLang="zh-TW" sz="2200" dirty="0"/>
+          </a:p>
+          <a:p>
+            <a:r>
+              <a:rPr lang="en-US" altLang="zh-TW" sz="2200" dirty="0"/>
+              <a:t>Sequence </a:t>
+            </a:r>
+            <a:r>
+              <a:rPr lang="zh-TW" altLang="en-US" sz="2200" dirty="0"/>
+              <a:t>選擇</a:t>
+            </a:r>
+            <a:r>
+              <a:rPr lang="en-US" altLang="zh-TW" sz="2200" dirty="0"/>
+              <a:t>@48Ks/sec</a:t>
+            </a:r>
+            <a:r>
+              <a:rPr lang="zh-TW" altLang="en-US" sz="2200" dirty="0"/>
+              <a:t>：取樣率</a:t>
+            </a:r>
+            <a:r>
+              <a:rPr lang="en-US" altLang="zh-TW" sz="2200" dirty="0"/>
+              <a:t>48ks/sec</a:t>
+            </a:r>
+            <a:r>
+              <a:rPr lang="zh-TW" altLang="en-US" sz="2200" dirty="0"/>
+              <a:t>。</a:t>
+            </a:r>
+            <a:r>
+              <a:rPr lang="en-US" altLang="zh-TW" sz="2200" dirty="0"/>
+              <a:t>(</a:t>
+            </a:r>
+            <a:r>
+              <a:rPr lang="zh-TW" altLang="en-US" sz="2200" dirty="0"/>
+              <a:t>位於左上</a:t>
+            </a:r>
+            <a:r>
+              <a:rPr lang="en-US" altLang="zh-TW" sz="2200" dirty="0"/>
+              <a:t>)</a:t>
+            </a:r>
+          </a:p>
+          <a:p>
+            <a:r>
+              <a:rPr lang="en-US" altLang="zh-TW" sz="2200" dirty="0"/>
+              <a:t>    </a:t>
+            </a:r>
+          </a:p>
+          <a:p>
+            <a:r>
+              <a:rPr lang="en-US" altLang="zh-TW" sz="2200" dirty="0"/>
+              <a:t>  </a:t>
+            </a:r>
+          </a:p>
+          <a:p>
+            <a:r>
+              <a:rPr lang="en-US" altLang="zh-TW" sz="2200" dirty="0"/>
+              <a:t>Signal Path </a:t>
+            </a:r>
+            <a:r>
+              <a:rPr lang="zh-TW" altLang="en-US" sz="2200" dirty="0"/>
+              <a:t>選擇</a:t>
+            </a:r>
+            <a:r>
+              <a:rPr lang="en-US" altLang="zh-TW" sz="2200" dirty="0"/>
+              <a:t>Line Output @48K</a:t>
+            </a:r>
+            <a:r>
+              <a:rPr lang="zh-TW" altLang="en-US" sz="2200" dirty="0"/>
+              <a:t>：取樣率</a:t>
+            </a:r>
+            <a:r>
+              <a:rPr lang="en-US" altLang="zh-TW" sz="2200" dirty="0"/>
+              <a:t>48ks/sec</a:t>
+            </a:r>
+            <a:r>
+              <a:rPr lang="zh-TW" altLang="en-US" sz="2200" dirty="0"/>
+              <a:t>。</a:t>
+            </a:r>
+            <a:r>
+              <a:rPr lang="en-US" altLang="zh-TW" sz="2200" dirty="0"/>
+              <a:t>(</a:t>
+            </a:r>
+            <a:r>
+              <a:rPr lang="zh-TW" altLang="en-US" sz="2200" dirty="0"/>
+              <a:t>左欄</a:t>
+            </a:r>
+            <a:r>
+              <a:rPr lang="en-US" altLang="zh-TW" sz="2200" dirty="0"/>
+              <a:t>)</a:t>
+            </a:r>
+          </a:p>
+          <a:p>
+            <a:pPr marL="0" indent="0">
+              <a:buNone/>
+            </a:pPr>
+            <a:endParaRPr lang="en-US" altLang="zh-TW" sz="2200" dirty="0"/>
+          </a:p>
+          <a:p>
+            <a:r>
+              <a:rPr lang="zh-TW" altLang="en-US" sz="2200" dirty="0"/>
+              <a:t>選擇</a:t>
+            </a:r>
+            <a:r>
+              <a:rPr lang="en-US" altLang="zh-TW" sz="2200" dirty="0"/>
+              <a:t>48k</a:t>
+            </a:r>
+            <a:r>
+              <a:rPr lang="zh-TW" altLang="en-US" sz="2200" dirty="0"/>
+              <a:t>即可不用選</a:t>
+            </a:r>
+            <a:r>
+              <a:rPr lang="en-US" altLang="zh-TW" sz="2200" dirty="0"/>
+              <a:t>96k</a:t>
+            </a:r>
+            <a:r>
+              <a:rPr lang="zh-TW" altLang="en-US" sz="2200" dirty="0"/>
+              <a:t>，若是不想讓程式跑太多可以先關掉產生</a:t>
+            </a:r>
+            <a:r>
+              <a:rPr lang="en-US" altLang="zh-TW" sz="2200" dirty="0"/>
+              <a:t>report</a:t>
+            </a:r>
+            <a:r>
+              <a:rPr lang="zh-TW" altLang="en-US" sz="2200" dirty="0"/>
+              <a:t>的部分</a:t>
+            </a:r>
+          </a:p>
+          <a:p>
+            <a:r>
+              <a:rPr lang="zh-TW" altLang="en-US" sz="2200" dirty="0"/>
+              <a:t>本章中所有使用到的</a:t>
+            </a:r>
+            <a:r>
+              <a:rPr lang="en-US" altLang="zh-TW" sz="2200" dirty="0"/>
+              <a:t>wave </a:t>
+            </a:r>
+            <a:r>
+              <a:rPr lang="zh-TW" altLang="en-US" sz="2200" dirty="0"/>
+              <a:t>檔位於</a:t>
+            </a:r>
+            <a:r>
+              <a:rPr lang="en-US" altLang="zh-TW" sz="2200" dirty="0"/>
+              <a:t>\PC Audio Test For APx500\Waveform</a:t>
+            </a:r>
+          </a:p>
+          <a:p>
+            <a:endParaRPr lang="zh-TW" altLang="en-US" sz="2200" dirty="0"/>
+          </a:p>
+        </p:txBody>
+      </p:sp>
+      <p:pic>
+        <p:nvPicPr>
+          <p:cNvPr id="1028" name="Picture 4">
+            <a:extLst>
+              <a:ext uri="{FF2B5EF4-FFF2-40B4-BE49-F238E27FC236}">
+                <a16:creationId xmlns:a16="http://schemas.microsoft.com/office/drawing/2014/main" id="{877F8F0B-63ED-47C1-8070-3F7AD88260EE}"/>
+              </a:ext>
+            </a:extLst>
+          </p:cNvPr>
+          <p:cNvPicPr>
+            <a:picLocks noChangeAspect="1" noChangeArrowheads="1"/>
+          </p:cNvPicPr>
+          <p:nvPr/>
+        </p:nvPicPr>
+        <p:blipFill rotWithShape="1">
+          <a:blip r:embed="rId2">
+            <a:extLst>
+              <a:ext uri="{28A0092B-C50C-407E-A947-70E740481C1C}">
+                <a14:useLocalDpi xmlns:a14="http://schemas.microsoft.com/office/drawing/2010/main" val="0"/>
+              </a:ext>
+            </a:extLst>
+          </a:blip>
+          <a:srcRect r="3" b="1240"/>
+          <a:stretch/>
+        </p:blipFill>
+        <p:spPr bwMode="auto">
+          <a:xfrm>
+            <a:off x="7684006" y="10"/>
+            <a:ext cx="4507993" cy="6857990"/>
+          </a:xfrm>
+          <a:prstGeom prst="rect">
+            <a:avLst/>
+          </a:prstGeom>
+          <a:noFill/>
+          <a:extLst>
+            <a:ext uri="{909E8E84-426E-40DD-AFC4-6F175D3DCCD1}">
+              <a14:hiddenFill xmlns:a14="http://schemas.microsoft.com/office/drawing/2010/main">
+                <a:solidFill>
+                  <a:srgbClr val="FFFFFF"/>
+                </a:solidFill>
+              </a14:hiddenFill>
+            </a:ext>
+          </a:extLst>
+        </p:spPr>
+      </p:pic>
+      <p:sp>
+        <p:nvSpPr>
+          <p:cNvPr id="5" name="Rectangle 2">
+            <a:extLst>
+              <a:ext uri="{FF2B5EF4-FFF2-40B4-BE49-F238E27FC236}">
+                <a16:creationId xmlns:a16="http://schemas.microsoft.com/office/drawing/2014/main" id="{EE7B178B-B398-4A3C-8CB2-2E6480CB6F04}"/>
+              </a:ext>
+            </a:extLst>
+          </p:cNvPr>
+          <p:cNvSpPr>
+            <a:spLocks noChangeArrowheads="1"/>
+          </p:cNvSpPr>
+          <p:nvPr/>
+        </p:nvSpPr>
+        <p:spPr bwMode="auto">
+          <a:xfrm>
+            <a:off x="0" y="-328255"/>
+            <a:ext cx="65" cy="656509"/>
+          </a:xfrm>
+          <a:prstGeom prst="rect">
+            <a:avLst/>
+          </a:prstGeom>
+          <a:noFill/>
+          <a:ln>
+            <a:noFill/>
+          </a:ln>
+          <a:effectLst/>
+          <a:extLst>
+            <a:ext uri="{909E8E84-426E-40DD-AFC4-6F175D3DCCD1}">
+              <a14:hiddenFill xmlns:a14="http://schemas.microsoft.com/office/drawing/2010/main">
+                <a:solidFill>
+                  <a:schemeClr val="accent1"/>
+                </a:solidFill>
+              </a14:hiddenFill>
+            </a:ext>
+            <a:ext uri="{91240B29-F687-4F45-9708-019B960494DF}">
+              <a14:hiddenLine xmlns:a14="http://schemas.microsoft.com/office/drawing/2010/main" w="9525">
+                <a:solidFill>
+                  <a:schemeClr val="tx1"/>
+                </a:solidFill>
+                <a:miter lim="800000"/>
+                <a:headEnd/>
+                <a:tailEnd/>
+              </a14:hiddenLine>
+            </a:ext>
+            <a:ext uri="{AF507438-7753-43E0-B8FC-AC1667EBCBE1}">
+              <a14:hiddenEffects xmlns:a14="http://schemas.microsoft.com/office/drawing/2010/main">
+                <a:effectLst>
+                  <a:outerShdw dist="35921" dir="2700000" algn="ctr" rotWithShape="0">
+                    <a:schemeClr val="bg2"/>
+                  </a:outerShdw>
+                </a:effectLst>
+              </a14:hiddenEffects>
+            </a:ext>
+          </a:extLst>
+        </p:spPr>
+        <p:txBody>
+          <a:bodyPr vert="horz" wrap="none" lIns="0" tIns="126960" rIns="0" bIns="126960" numCol="1" anchor="ctr" anchorCtr="0" compatLnSpc="1">
+            <a:prstTxWarp prst="textNoShape">
+              <a:avLst/>
+            </a:prstTxWarp>
+            <a:spAutoFit/>
+          </a:bodyPr>
+          <a:lstStyle/>
+          <a:p>
+            <a:pPr marL="0" marR="0" lvl="0" indent="0" algn="l" defTabSz="914400" rtl="0" eaLnBrk="0" fontAlgn="base" latinLnBrk="0" hangingPunct="0">
+              <a:spcBef>
+                <a:spcPct val="0"/>
+              </a:spcBef>
+              <a:spcAft>
+                <a:spcPts val="600"/>
+              </a:spcAft>
+              <a:buClrTx/>
+              <a:buSzTx/>
+              <a:buFontTx/>
+              <a:buNone/>
+              <a:tabLst/>
+            </a:pPr>
+            <a:br>
+              <a:rPr kumimoji="0" lang="zh-TW" altLang="zh-TW" sz="800" b="0" i="0" u="none" strike="noStrike" cap="none" normalizeH="0" baseline="0" dirty="0">
+                <a:ln>
+                  <a:noFill/>
+                </a:ln>
+                <a:solidFill>
+                  <a:schemeClr val="tx1"/>
+                </a:solidFill>
+                <a:effectLst/>
+                <a:latin typeface="Arial" panose="020B0604020202020204" pitchFamily="34" charset="0"/>
+              </a:rPr>
+            </a:br>
+            <a:endParaRPr kumimoji="0" lang="zh-TW" altLang="zh-TW" sz="1800" b="0" i="0" u="none" strike="noStrike" cap="none" normalizeH="0" baseline="0" dirty="0">
+              <a:ln>
+                <a:noFill/>
+              </a:ln>
+              <a:solidFill>
+                <a:schemeClr val="tx1"/>
+              </a:solidFill>
+              <a:effectLst/>
+              <a:latin typeface="Arial" panose="020B0604020202020204" pitchFamily="34" charset="0"/>
+            </a:endParaRPr>
+          </a:p>
+        </p:txBody>
+      </p:sp>
+      <p:pic>
+        <p:nvPicPr>
+          <p:cNvPr id="1027" name="Picture 3" descr="一張含有 螢幕擷取畫面 的圖片&#10;&#10;自動產生的描述">
+            <a:extLst>
+              <a:ext uri="{FF2B5EF4-FFF2-40B4-BE49-F238E27FC236}">
+                <a16:creationId xmlns:a16="http://schemas.microsoft.com/office/drawing/2014/main" id="{24718DD2-8AAF-408F-8A13-3090607E9EC2}"/>
+              </a:ext>
+            </a:extLst>
+          </p:cNvPr>
+          <p:cNvPicPr>
+            <a:picLocks noChangeAspect="1" noChangeArrowheads="1"/>
+          </p:cNvPicPr>
+          <p:nvPr/>
+        </p:nvPicPr>
+        <p:blipFill>
+          <a:blip r:embed="rId3">
+            <a:extLst>
+              <a:ext uri="{28A0092B-C50C-407E-A947-70E740481C1C}">
+                <a14:useLocalDpi xmlns:a14="http://schemas.microsoft.com/office/drawing/2010/main" val="0"/>
+              </a:ext>
+            </a:extLst>
+          </a:blip>
+          <a:srcRect/>
+          <a:stretch>
+            <a:fillRect/>
+          </a:stretch>
+        </p:blipFill>
+        <p:spPr bwMode="auto">
+          <a:xfrm>
+            <a:off x="889778" y="3941376"/>
+            <a:ext cx="2628900" cy="581025"/>
+          </a:xfrm>
+          <a:prstGeom prst="rect">
+            <a:avLst/>
+          </a:prstGeom>
+          <a:noFill/>
+          <a:extLst>
+            <a:ext uri="{909E8E84-426E-40DD-AFC4-6F175D3DCCD1}">
+              <a14:hiddenFill xmlns:a14="http://schemas.microsoft.com/office/drawing/2010/main">
+                <a:solidFill>
+                  <a:srgbClr val="FFFFFF"/>
+                </a:solidFill>
+              </a14:hiddenFill>
+            </a:ext>
+          </a:extLst>
+        </p:spPr>
+      </p:pic>
+    </p:spTree>
+    <p:extLst>
+      <p:ext uri="{BB962C8B-B14F-4D97-AF65-F5344CB8AC3E}">
+        <p14:creationId xmlns:p14="http://schemas.microsoft.com/office/powerpoint/2010/main" val="583697895"/>
+      </p:ext>
+    </p:extLst>
+  </p:cSld>
+  <p:clrMapOvr>
+    <a:masterClrMapping/>
+  </p:clrMapOvr>
+</p:sld>
+</file>
+
 <file path=ppt/slides/slide2.xml><?xml version="1.0" encoding="utf-8"?>
 <p:sld xmlns:a="http://schemas.openxmlformats.org/drawingml/2006/main" xmlns:r="http://schemas.openxmlformats.org/officeDocument/2006/relationships" xmlns:p="http://schemas.openxmlformats.org/presentationml/2006/main">
   <p:cSld>
@@ -4276,32 +4959,37 @@
           <a:lstStyle/>
           <a:p>
             <a:r>
-              <a:rPr lang="en-US" altLang="zh-TW" sz="2000"/>
+              <a:rPr lang="en-US" altLang="zh-TW" sz="2000" dirty="0"/>
               <a:t>WAVE</a:t>
             </a:r>
             <a:r>
-              <a:rPr lang="zh-TW" altLang="en-US" sz="2000"/>
+              <a:rPr lang="zh-TW" altLang="en-US" sz="2000" dirty="0"/>
               <a:t>檔 </a:t>
             </a:r>
             <a:r>
-              <a:rPr lang="en-US" altLang="zh-TW" sz="2000"/>
+              <a:rPr lang="en-US" altLang="zh-TW" sz="2000" dirty="0"/>
               <a:t>:</a:t>
             </a:r>
             <a:r>
-              <a:rPr lang="zh-TW" altLang="en-US" sz="2000"/>
+              <a:rPr lang="zh-TW" altLang="en-US" sz="2000" dirty="0"/>
               <a:t>進入共享檔連結</a:t>
             </a:r>
             <a:r>
-              <a:rPr lang="en-US" altLang="zh-TW" sz="2000"/>
-              <a:t>(Dropbox):</a:t>
-            </a:r>
-          </a:p>
-          <a:p>
-            <a:r>
-              <a:rPr lang="en-US" altLang="zh-TW" sz="2000"/>
+              <a:rPr lang="en-US" altLang="zh-TW" sz="2000" dirty="0"/>
+              <a:t>(Dropbox)</a:t>
+            </a:r>
+            <a:r>
+              <a:rPr lang="zh-TW" altLang="en-US" sz="2000" dirty="0"/>
+              <a:t>並下載</a:t>
+            </a:r>
+            <a:endParaRPr lang="en-US" altLang="zh-TW" sz="2000" dirty="0"/>
+          </a:p>
+          <a:p>
+            <a:r>
+              <a:rPr lang="en-US" altLang="zh-TW" sz="2000" dirty="0"/>
               <a:t>https://www.dropbox.com/s/6j1ci4fw0qzwg3n/PC%20Audio%20Test%20For%20APx500.rar?dl=0</a:t>
             </a:r>
-            <a:endParaRPr lang="zh-TW" altLang="en-US" sz="2000"/>
+            <a:endParaRPr lang="zh-TW" altLang="en-US" sz="2000" dirty="0"/>
           </a:p>
         </p:txBody>
       </p:sp>
@@ -4501,7 +5189,18 @@
           <a:bodyPr/>
           <a:lstStyle/>
           <a:p>
-            <a:endParaRPr lang="zh-TW" altLang="en-US"/>
+            <a:r>
+              <a:rPr lang="zh-TW" altLang="en-US" dirty="0"/>
+              <a:t>連結</a:t>
+            </a:r>
+            <a:r>
+              <a:rPr lang="en-US" altLang="zh-TW" dirty="0"/>
+              <a:t>PC</a:t>
+            </a:r>
+            <a:r>
+              <a:rPr lang="zh-TW" altLang="en-US" dirty="0"/>
+              <a:t>設定</a:t>
+            </a:r>
           </a:p>
         </p:txBody>
       </p:sp>
@@ -4523,10 +5222,147 @@
         </p:nvSpPr>
         <p:spPr/>
         <p:txBody>
-          <a:bodyPr/>
-          <a:lstStyle/>
-          <a:p>
-            <a:endParaRPr lang="zh-TW" altLang="en-US"/>
+          <a:bodyPr>
+            <a:normAutofit/>
+          </a:bodyPr>
+          <a:lstStyle/>
+          <a:p>
+            <a:r>
+              <a:rPr lang="zh-TW" altLang="en-US" dirty="0"/>
+              <a:t>接線方式說明 </a:t>
+            </a:r>
+            <a:r>
+              <a:rPr lang="en-US" altLang="zh-TW" dirty="0"/>
+              <a:t>:</a:t>
+            </a:r>
+          </a:p>
+          <a:p>
+            <a:pPr marL="0" indent="0">
+              <a:buNone/>
+            </a:pPr>
+            <a:r>
+              <a:rPr lang="en-US" altLang="zh-TW" dirty="0"/>
+              <a:t>1.  </a:t>
+            </a:r>
+            <a:r>
+              <a:rPr lang="zh-TW" altLang="en-US" dirty="0"/>
+              <a:t>利用立體耳機插頭至</a:t>
+            </a:r>
+            <a:r>
+              <a:rPr lang="en-US" altLang="zh-TW" dirty="0"/>
+              <a:t>RCA </a:t>
+            </a:r>
+            <a:r>
+              <a:rPr lang="zh-TW" altLang="en-US" dirty="0"/>
+              <a:t>立體母座的轉接頭將受測音效裝置的</a:t>
+            </a:r>
+            <a:r>
+              <a:rPr lang="en-US" altLang="zh-TW" dirty="0"/>
+              <a:t>Line output </a:t>
+            </a:r>
+            <a:r>
+              <a:rPr lang="zh-TW" altLang="en-US" dirty="0"/>
+              <a:t>連接至</a:t>
+            </a:r>
+            <a:r>
+              <a:rPr lang="en-US" altLang="zh-TW" dirty="0"/>
+              <a:t>Analog Inputs </a:t>
+            </a:r>
+            <a:r>
+              <a:rPr lang="zh-TW" altLang="en-US" dirty="0"/>
+              <a:t>的</a:t>
+            </a:r>
+            <a:r>
+              <a:rPr lang="en-US" altLang="zh-TW" dirty="0"/>
+              <a:t>BNC </a:t>
+            </a:r>
+            <a:r>
+              <a:rPr lang="zh-TW" altLang="en-US" dirty="0"/>
+              <a:t>輸入端。</a:t>
+            </a:r>
+            <a:endParaRPr lang="en-US" altLang="zh-TW" dirty="0"/>
+          </a:p>
+          <a:p>
+            <a:pPr marL="0" indent="0">
+              <a:buNone/>
+            </a:pPr>
+            <a:r>
+              <a:rPr lang="en-US" altLang="zh-TW" dirty="0"/>
+              <a:t>2.  </a:t>
+            </a:r>
+            <a:r>
+              <a:rPr lang="zh-TW" altLang="en-US" dirty="0"/>
+              <a:t>在與</a:t>
+            </a:r>
+            <a:r>
+              <a:rPr lang="en-US" altLang="zh-TW" dirty="0"/>
+              <a:t>Analog Inputs </a:t>
+            </a:r>
+            <a:r>
+              <a:rPr lang="zh-TW" altLang="en-US" dirty="0"/>
+              <a:t>的</a:t>
+            </a:r>
+            <a:r>
+              <a:rPr lang="en-US" altLang="zh-TW" dirty="0"/>
+              <a:t>BNC </a:t>
+            </a:r>
+            <a:r>
+              <a:rPr lang="zh-TW" altLang="en-US" dirty="0"/>
+              <a:t>輸入端並聯的香蕉端子間連</a:t>
+            </a:r>
+            <a:r>
+              <a:rPr lang="en-US" altLang="zh-TW" dirty="0"/>
+              <a:t>10kΩ/0.5W </a:t>
+            </a:r>
+            <a:r>
+              <a:rPr lang="zh-TW" altLang="en-US" dirty="0"/>
+              <a:t>之負載電阻。</a:t>
+            </a:r>
+            <a:r>
+              <a:rPr lang="en-US" altLang="zh-TW" dirty="0"/>
+              <a:t>(</a:t>
+            </a:r>
+            <a:r>
+              <a:rPr lang="zh-TW" altLang="en-US" dirty="0"/>
+              <a:t>白</a:t>
+            </a:r>
+            <a:r>
+              <a:rPr lang="en-US" altLang="zh-TW" dirty="0"/>
+              <a:t>/</a:t>
+            </a:r>
+            <a:r>
+              <a:rPr lang="zh-TW" altLang="en-US" dirty="0"/>
+              <a:t>紅色電阻</a:t>
+            </a:r>
+            <a:r>
+              <a:rPr lang="en-US" altLang="zh-TW" dirty="0"/>
+              <a:t>)</a:t>
+            </a:r>
+          </a:p>
+          <a:p>
+            <a:pPr marL="514350" indent="-514350">
+              <a:buAutoNum type="arabicPeriod" startAt="3"/>
+            </a:pPr>
+            <a:r>
+              <a:rPr lang="zh-TW" altLang="en-US" dirty="0"/>
+              <a:t>在開啟</a:t>
+            </a:r>
+            <a:r>
+              <a:rPr lang="en-US" altLang="zh-TW" dirty="0"/>
+              <a:t>APx500 5.0</a:t>
+            </a:r>
+            <a:r>
+              <a:rPr lang="zh-TW" altLang="en-US" dirty="0"/>
+              <a:t>前必須先把</a:t>
+            </a:r>
+            <a:r>
+              <a:rPr lang="en-US" altLang="zh-TW" dirty="0" err="1"/>
+              <a:t>pcinterface</a:t>
+            </a:r>
+            <a:r>
+              <a:rPr lang="zh-TW" altLang="en-US" dirty="0"/>
+              <a:t>與待測物接好，若先開啟程式軟體可能會無法連上</a:t>
+            </a:r>
           </a:p>
         </p:txBody>
       </p:sp>
@@ -4534,6 +5370,480 @@
     <p:extLst>
       <p:ext uri="{BB962C8B-B14F-4D97-AF65-F5344CB8AC3E}">
         <p14:creationId xmlns:p14="http://schemas.microsoft.com/office/powerpoint/2010/main" val="797020557"/>
+      </p:ext>
+    </p:extLst>
+  </p:cSld>
+  <p:clrMapOvr>
+    <a:masterClrMapping/>
+  </p:clrMapOvr>
+</p:sld>
+</file>
+
+<file path=ppt/slides/slide7.xml><?xml version="1.0" encoding="utf-8"?>
+<p:sld xmlns:a="http://schemas.openxmlformats.org/drawingml/2006/main" xmlns:r="http://schemas.openxmlformats.org/officeDocument/2006/relationships" xmlns:p="http://schemas.openxmlformats.org/presentationml/2006/main">
+  <p:cSld>
+    <p:bg>
+      <p:bgPr>
+        <a:solidFill>
+          <a:schemeClr val="bg1"/>
+        </a:solidFill>
+        <a:effectLst/>
+      </p:bgPr>
+    </p:bg>
+    <p:spTree>
+      <p:nvGrpSpPr>
+        <p:cNvPr id="1" name=""/>
+        <p:cNvGrpSpPr/>
+        <p:nvPr/>
+      </p:nvGrpSpPr>
+      <p:grpSpPr>
+        <a:xfrm>
+          <a:off x="0" y="0"/>
+          <a:ext cx="0" cy="0"/>
+          <a:chOff x="0" y="0"/>
+          <a:chExt cx="0" cy="0"/>
+        </a:xfrm>
+      </p:grpSpPr>
+      <p:sp>
+        <p:nvSpPr>
+          <p:cNvPr id="2" name="標題 1">
+            <a:extLst>
+              <a:ext uri="{FF2B5EF4-FFF2-40B4-BE49-F238E27FC236}">
+                <a16:creationId xmlns:a16="http://schemas.microsoft.com/office/drawing/2014/main" id="{83A156B3-76F1-430E-8DEA-978558EBE98E}"/>
+              </a:ext>
+            </a:extLst>
+          </p:cNvPr>
+          <p:cNvSpPr>
+            <a:spLocks noGrp="1"/>
+          </p:cNvSpPr>
+          <p:nvPr>
+            <p:ph type="title"/>
+          </p:nvPr>
+        </p:nvSpPr>
+        <p:spPr>
+          <a:xfrm>
+            <a:off x="648929" y="629266"/>
+            <a:ext cx="3651467" cy="1676603"/>
+          </a:xfrm>
+        </p:spPr>
+        <p:txBody>
+          <a:bodyPr>
+            <a:normAutofit/>
+          </a:bodyPr>
+          <a:lstStyle/>
+          <a:p>
+            <a:r>
+              <a:rPr lang="zh-TW" altLang="en-US" dirty="0"/>
+              <a:t>連結</a:t>
+            </a:r>
+            <a:r>
+              <a:rPr lang="en-US" altLang="zh-TW" dirty="0"/>
+              <a:t>PC</a:t>
+            </a:r>
+            <a:r>
+              <a:rPr lang="zh-TW" altLang="en-US" dirty="0"/>
+              <a:t>設定</a:t>
+            </a:r>
+          </a:p>
+        </p:txBody>
+      </p:sp>
+      <p:sp>
+        <p:nvSpPr>
+          <p:cNvPr id="8" name="Content Placeholder 7">
+            <a:extLst>
+              <a:ext uri="{FF2B5EF4-FFF2-40B4-BE49-F238E27FC236}">
+                <a16:creationId xmlns:a16="http://schemas.microsoft.com/office/drawing/2014/main" id="{B8CADA5A-21D7-49D7-B506-ABBBF7620C6B}"/>
+              </a:ext>
+            </a:extLst>
+          </p:cNvPr>
+          <p:cNvSpPr>
+            <a:spLocks noGrp="1"/>
+          </p:cNvSpPr>
+          <p:nvPr>
+            <p:ph idx="1"/>
+          </p:nvPr>
+        </p:nvSpPr>
+        <p:spPr>
+          <a:xfrm>
+            <a:off x="648931" y="2438400"/>
+            <a:ext cx="3651466" cy="3785419"/>
+          </a:xfrm>
+        </p:spPr>
+        <p:txBody>
+          <a:bodyPr>
+            <a:normAutofit/>
+          </a:bodyPr>
+          <a:lstStyle/>
+          <a:p>
+            <a:r>
+              <a:rPr lang="zh-TW" altLang="en-US" sz="1800" dirty="0"/>
+              <a:t>紅色為附載電阻</a:t>
+            </a:r>
+            <a:endParaRPr lang="en-US" sz="1800" dirty="0"/>
+          </a:p>
+        </p:txBody>
+      </p:sp>
+      <p:pic>
+        <p:nvPicPr>
+          <p:cNvPr id="4" name="Picture 2" descr="一張含有 室內, 桌, 坐, 櫃台 的圖片&#10;&#10;自動產生的描述">
+            <a:extLst>
+              <a:ext uri="{FF2B5EF4-FFF2-40B4-BE49-F238E27FC236}">
+                <a16:creationId xmlns:a16="http://schemas.microsoft.com/office/drawing/2014/main" id="{7F8FA1AD-E5CA-49DC-92DC-D4DF47341908}"/>
+              </a:ext>
+            </a:extLst>
+          </p:cNvPr>
+          <p:cNvPicPr>
+            <a:picLocks noChangeAspect="1" noChangeArrowheads="1"/>
+          </p:cNvPicPr>
+          <p:nvPr/>
+        </p:nvPicPr>
+        <p:blipFill rotWithShape="1">
+          <a:blip r:embed="rId2">
+            <a:extLst>
+              <a:ext uri="{28A0092B-C50C-407E-A947-70E740481C1C}">
+                <a14:useLocalDpi xmlns:a14="http://schemas.microsoft.com/office/drawing/2010/main" val="0"/>
+              </a:ext>
+            </a:extLst>
+          </a:blip>
+          <a:srcRect t="11249" r="-2" b="20650"/>
+          <a:stretch/>
+        </p:blipFill>
+        <p:spPr bwMode="auto">
+          <a:xfrm>
+            <a:off x="4639056" y="10"/>
+            <a:ext cx="7552944" cy="6857990"/>
+          </a:xfrm>
+          <a:prstGeom prst="rect">
+            <a:avLst/>
+          </a:prstGeom>
+          <a:noFill/>
+          <a:effectLst/>
+          <a:extLst>
+            <a:ext uri="{909E8E84-426E-40DD-AFC4-6F175D3DCCD1}">
+              <a14:hiddenFill xmlns:a14="http://schemas.microsoft.com/office/drawing/2010/main">
+                <a:solidFill>
+                  <a:srgbClr val="FFFFFF"/>
+                </a:solidFill>
+              </a14:hiddenFill>
+            </a:ext>
+          </a:extLst>
+        </p:spPr>
+      </p:pic>
+    </p:spTree>
+    <p:extLst>
+      <p:ext uri="{BB962C8B-B14F-4D97-AF65-F5344CB8AC3E}">
+        <p14:creationId xmlns:p14="http://schemas.microsoft.com/office/powerpoint/2010/main" val="2577974491"/>
+      </p:ext>
+    </p:extLst>
+  </p:cSld>
+  <p:clrMapOvr>
+    <a:masterClrMapping/>
+  </p:clrMapOvr>
+</p:sld>
+</file>
+
+<file path=ppt/slides/slide8.xml><?xml version="1.0" encoding="utf-8"?>
+<p:sld xmlns:a="http://schemas.openxmlformats.org/drawingml/2006/main" xmlns:r="http://schemas.openxmlformats.org/officeDocument/2006/relationships" xmlns:p="http://schemas.openxmlformats.org/presentationml/2006/main">
+  <p:cSld>
+    <p:spTree>
+      <p:nvGrpSpPr>
+        <p:cNvPr id="1" name=""/>
+        <p:cNvGrpSpPr/>
+        <p:nvPr/>
+      </p:nvGrpSpPr>
+      <p:grpSpPr>
+        <a:xfrm>
+          <a:off x="0" y="0"/>
+          <a:ext cx="0" cy="0"/>
+          <a:chOff x="0" y="0"/>
+          <a:chExt cx="0" cy="0"/>
+        </a:xfrm>
+      </p:grpSpPr>
+      <p:sp>
+        <p:nvSpPr>
+          <p:cNvPr id="2" name="標題 1">
+            <a:extLst>
+              <a:ext uri="{FF2B5EF4-FFF2-40B4-BE49-F238E27FC236}">
+                <a16:creationId xmlns:a16="http://schemas.microsoft.com/office/drawing/2014/main" id="{E1EA0119-7C12-4CAF-9B65-30A916EBD8BA}"/>
+              </a:ext>
+            </a:extLst>
+          </p:cNvPr>
+          <p:cNvSpPr>
+            <a:spLocks noGrp="1"/>
+          </p:cNvSpPr>
+          <p:nvPr>
+            <p:ph type="title"/>
+          </p:nvPr>
+        </p:nvSpPr>
+        <p:spPr/>
+        <p:txBody>
+          <a:bodyPr/>
+          <a:lstStyle/>
+          <a:p>
+            <a:r>
+              <a:rPr lang="zh-TW" altLang="en-US" dirty="0"/>
+              <a:t>連結</a:t>
+            </a:r>
+            <a:r>
+              <a:rPr lang="en-US" altLang="zh-TW" dirty="0"/>
+              <a:t>PC</a:t>
+            </a:r>
+            <a:r>
+              <a:rPr lang="zh-TW" altLang="en-US" dirty="0"/>
+              <a:t>設定</a:t>
+            </a:r>
+          </a:p>
+        </p:txBody>
+      </p:sp>
+      <p:sp>
+        <p:nvSpPr>
+          <p:cNvPr id="3" name="內容版面配置區 2">
+            <a:extLst>
+              <a:ext uri="{FF2B5EF4-FFF2-40B4-BE49-F238E27FC236}">
+                <a16:creationId xmlns:a16="http://schemas.microsoft.com/office/drawing/2014/main" id="{6D65FF4E-ECE0-4A56-A176-567920BF2BE8}"/>
+              </a:ext>
+            </a:extLst>
+          </p:cNvPr>
+          <p:cNvSpPr>
+            <a:spLocks noGrp="1"/>
+          </p:cNvSpPr>
+          <p:nvPr>
+            <p:ph idx="1"/>
+          </p:nvPr>
+        </p:nvSpPr>
+        <p:spPr/>
+        <p:txBody>
+          <a:bodyPr/>
+          <a:lstStyle/>
+          <a:p>
+            <a:r>
+              <a:rPr lang="zh-TW" altLang="en-US" dirty="0"/>
+              <a:t>再接好</a:t>
+            </a:r>
+            <a:r>
+              <a:rPr lang="en-US" altLang="zh-TW" dirty="0"/>
+              <a:t>PC</a:t>
+            </a:r>
+            <a:r>
+              <a:rPr lang="zh-TW" altLang="en-US" dirty="0"/>
+              <a:t>與待測物後打開</a:t>
+            </a:r>
+            <a:r>
+              <a:rPr lang="en-US" altLang="zh-TW" dirty="0"/>
+              <a:t>APx500</a:t>
+            </a:r>
+            <a:r>
+              <a:rPr lang="zh-TW" altLang="en-US" dirty="0"/>
+              <a:t>會聽見細微的開關聲，代表</a:t>
+            </a:r>
+            <a:r>
+              <a:rPr lang="en-US" altLang="zh-TW" dirty="0"/>
+              <a:t>PC</a:t>
+            </a:r>
+            <a:r>
+              <a:rPr lang="zh-TW" altLang="en-US" dirty="0"/>
+              <a:t>有連上。</a:t>
+            </a:r>
+            <a:endParaRPr lang="en-US" altLang="zh-TW" dirty="0"/>
+          </a:p>
+          <a:p>
+            <a:r>
+              <a:rPr lang="zh-TW" altLang="en-US" dirty="0"/>
+              <a:t>再進入畫面左下角可以看見有訊號。 播放待測物音訊給</a:t>
+            </a:r>
+            <a:r>
+              <a:rPr lang="en-US" altLang="zh-TW" dirty="0"/>
+              <a:t>515</a:t>
+            </a:r>
+            <a:r>
+              <a:rPr lang="zh-TW" altLang="en-US" dirty="0"/>
+              <a:t>一個不同的訊號觀察訊號是否會變動，如有變動則為連上。</a:t>
+            </a:r>
+          </a:p>
+        </p:txBody>
+      </p:sp>
+      <p:pic>
+        <p:nvPicPr>
+          <p:cNvPr id="6" name="圖片 5">
+            <a:extLst>
+              <a:ext uri="{FF2B5EF4-FFF2-40B4-BE49-F238E27FC236}">
+                <a16:creationId xmlns:a16="http://schemas.microsoft.com/office/drawing/2014/main" id="{8475C2D4-E622-46C6-A76D-A924448BE96E}"/>
+              </a:ext>
+            </a:extLst>
+          </p:cNvPr>
+          <p:cNvPicPr>
+            <a:picLocks noChangeAspect="1"/>
+          </p:cNvPicPr>
+          <p:nvPr/>
+        </p:nvPicPr>
+        <p:blipFill>
+          <a:blip r:embed="rId2"/>
+          <a:stretch>
+            <a:fillRect/>
+          </a:stretch>
+        </p:blipFill>
+        <p:spPr>
+          <a:xfrm>
+            <a:off x="5174797" y="3768725"/>
+            <a:ext cx="2952750" cy="2724150"/>
+          </a:xfrm>
+          <a:prstGeom prst="rect">
+            <a:avLst/>
+          </a:prstGeom>
+        </p:spPr>
+      </p:pic>
+      <p:pic>
+        <p:nvPicPr>
+          <p:cNvPr id="7" name="圖片 6">
+            <a:extLst>
+              <a:ext uri="{FF2B5EF4-FFF2-40B4-BE49-F238E27FC236}">
+                <a16:creationId xmlns:a16="http://schemas.microsoft.com/office/drawing/2014/main" id="{672B1486-6E35-480D-9659-39AC6134B0CA}"/>
+              </a:ext>
+            </a:extLst>
+          </p:cNvPr>
+          <p:cNvPicPr>
+            <a:picLocks noChangeAspect="1"/>
+          </p:cNvPicPr>
+          <p:nvPr/>
+        </p:nvPicPr>
+        <p:blipFill>
+          <a:blip r:embed="rId3"/>
+          <a:stretch>
+            <a:fillRect/>
+          </a:stretch>
+        </p:blipFill>
+        <p:spPr>
+          <a:xfrm>
+            <a:off x="8185414" y="3778250"/>
+            <a:ext cx="2876550" cy="2714625"/>
+          </a:xfrm>
+          <a:prstGeom prst="rect">
+            <a:avLst/>
+          </a:prstGeom>
+        </p:spPr>
+      </p:pic>
+    </p:spTree>
+    <p:extLst>
+      <p:ext uri="{BB962C8B-B14F-4D97-AF65-F5344CB8AC3E}">
+        <p14:creationId xmlns:p14="http://schemas.microsoft.com/office/powerpoint/2010/main" val="3272020002"/>
+      </p:ext>
+    </p:extLst>
+  </p:cSld>
+  <p:clrMapOvr>
+    <a:masterClrMapping/>
+  </p:clrMapOvr>
+</p:sld>
+</file>
+
+<file path=ppt/slides/slide9.xml><?xml version="1.0" encoding="utf-8"?>
+<p:sld xmlns:a="http://schemas.openxmlformats.org/drawingml/2006/main" xmlns:r="http://schemas.openxmlformats.org/officeDocument/2006/relationships" xmlns:p="http://schemas.openxmlformats.org/presentationml/2006/main">
+  <p:cSld>
+    <p:spTree>
+      <p:nvGrpSpPr>
+        <p:cNvPr id="1" name=""/>
+        <p:cNvGrpSpPr/>
+        <p:nvPr/>
+      </p:nvGrpSpPr>
+      <p:grpSpPr>
+        <a:xfrm>
+          <a:off x="0" y="0"/>
+          <a:ext cx="0" cy="0"/>
+          <a:chOff x="0" y="0"/>
+          <a:chExt cx="0" cy="0"/>
+        </a:xfrm>
+      </p:grpSpPr>
+      <p:sp>
+        <p:nvSpPr>
+          <p:cNvPr id="2" name="標題 1">
+            <a:extLst>
+              <a:ext uri="{FF2B5EF4-FFF2-40B4-BE49-F238E27FC236}">
+                <a16:creationId xmlns:a16="http://schemas.microsoft.com/office/drawing/2014/main" id="{49D6002D-2328-4714-993C-EB247276A565}"/>
+              </a:ext>
+            </a:extLst>
+          </p:cNvPr>
+          <p:cNvSpPr>
+            <a:spLocks noGrp="1"/>
+          </p:cNvSpPr>
+          <p:nvPr>
+            <p:ph type="title"/>
+          </p:nvPr>
+        </p:nvSpPr>
+        <p:spPr/>
+        <p:txBody>
+          <a:bodyPr/>
+          <a:lstStyle/>
+          <a:p>
+            <a:r>
+              <a:rPr lang="zh-TW" altLang="en-US" dirty="0"/>
+              <a:t>專案檔</a:t>
+            </a:r>
+          </a:p>
+        </p:txBody>
+      </p:sp>
+      <p:sp>
+        <p:nvSpPr>
+          <p:cNvPr id="3" name="內容版面配置區 2">
+            <a:extLst>
+              <a:ext uri="{FF2B5EF4-FFF2-40B4-BE49-F238E27FC236}">
+                <a16:creationId xmlns:a16="http://schemas.microsoft.com/office/drawing/2014/main" id="{338BDCBB-A037-419B-B5FA-73DF467F3D13}"/>
+              </a:ext>
+            </a:extLst>
+          </p:cNvPr>
+          <p:cNvSpPr>
+            <a:spLocks noGrp="1"/>
+          </p:cNvSpPr>
+          <p:nvPr>
+            <p:ph idx="1"/>
+          </p:nvPr>
+        </p:nvSpPr>
+        <p:spPr/>
+        <p:txBody>
+          <a:bodyPr/>
+          <a:lstStyle/>
+          <a:p>
+            <a:r>
+              <a:rPr lang="en-US" altLang="zh-TW" dirty="0"/>
+              <a:t> </a:t>
+            </a:r>
+            <a:r>
+              <a:rPr lang="zh-TW" altLang="en-US" dirty="0"/>
+              <a:t>直接使用廠商給的專案即可</a:t>
+            </a:r>
+            <a:r>
+              <a:rPr lang="en-US" altLang="zh-TW" dirty="0"/>
+              <a:t>:</a:t>
+            </a:r>
+          </a:p>
+          <a:p>
+            <a:endParaRPr lang="en-US" altLang="zh-TW" dirty="0"/>
+          </a:p>
+          <a:p>
+            <a:r>
+              <a:rPr lang="en-US" altLang="zh-TW" dirty="0"/>
+              <a:t> PC Audio Playback Performance </a:t>
+            </a:r>
+            <a:r>
+              <a:rPr lang="en-US" altLang="zh-TW" dirty="0" err="1"/>
+              <a:t>Test.approjx</a:t>
+            </a:r>
+            <a:endParaRPr lang="en-US" altLang="zh-TW" dirty="0"/>
+          </a:p>
+          <a:p>
+            <a:endParaRPr lang="en-US" altLang="zh-TW" dirty="0"/>
+          </a:p>
+          <a:p>
+            <a:r>
+              <a:rPr lang="en-US" altLang="zh-TW" dirty="0"/>
+              <a:t> File \&gt; Open Project</a:t>
+            </a:r>
+            <a:endParaRPr lang="zh-TW" altLang="en-US" dirty="0"/>
+          </a:p>
+        </p:txBody>
+      </p:sp>
+    </p:spTree>
+    <p:extLst>
+      <p:ext uri="{BB962C8B-B14F-4D97-AF65-F5344CB8AC3E}">
+        <p14:creationId xmlns:p14="http://schemas.microsoft.com/office/powerpoint/2010/main" val="1825419216"/>
       </p:ext>
     </p:extLst>
   </p:cSld>
